--- a/FullModel_April23.pptx
+++ b/FullModel_April23.pptx
@@ -6878,7 +6878,7 @@
           <p:nvPr>
             <p:extLst>
               <p:ext uri="{D42A27DB-BD31-4B8C-83A1-F6EECF244321}">
-                <p14:modId xmlns:p14="http://schemas.microsoft.com/office/powerpoint/2010/main" val="1131696007"/>
+                <p14:modId xmlns:p14="http://schemas.microsoft.com/office/powerpoint/2010/main" val="3366898813"/>
               </p:ext>
             </p:extLst>
           </p:nvPr>
@@ -7298,9 +7298,10 @@
                     <a:lstStyle/>
                     <a:p>
                       <a:r>
-                        <a:rPr lang="en-US" dirty="0"/>
-                        <a:t>In progress</a:t>
+                        <a:rPr lang="en-US"/>
+                        <a:t>24346.6</a:t>
                       </a:r>
+                      <a:endParaRPr lang="en-US" dirty="0"/>
                     </a:p>
                   </a:txBody>
                   <a:tcPr>

--- a/FullModel_April23.pptx
+++ b/FullModel_April23.pptx
@@ -5,7 +5,7 @@
     <p:sldMasterId id="2147483648" r:id="rId1"/>
   </p:sldMasterIdLst>
   <p:notesMasterIdLst>
-    <p:notesMasterId r:id="rId16"/>
+    <p:notesMasterId r:id="rId17"/>
   </p:notesMasterIdLst>
   <p:sldIdLst>
     <p:sldId id="256" r:id="rId2"/>
@@ -19,9 +19,10 @@
     <p:sldId id="264" r:id="rId10"/>
     <p:sldId id="268" r:id="rId11"/>
     <p:sldId id="269" r:id="rId12"/>
-    <p:sldId id="266" r:id="rId13"/>
-    <p:sldId id="260" r:id="rId14"/>
-    <p:sldId id="265" r:id="rId15"/>
+    <p:sldId id="270" r:id="rId13"/>
+    <p:sldId id="266" r:id="rId14"/>
+    <p:sldId id="260" r:id="rId15"/>
+    <p:sldId id="265" r:id="rId16"/>
   </p:sldIdLst>
   <p:sldSz cx="12192000" cy="6858000"/>
   <p:notesSz cx="6858000" cy="9144000"/>
@@ -221,7 +222,7 @@
           <a:p>
             <a:fld id="{3ADE5336-B1BD-4FC2-A9F7-2AB507FA6D6E}" type="datetimeFigureOut">
               <a:rPr lang="en-US" smtClean="0"/>
-              <a:t>5/1/2025</a:t>
+              <a:t>5/5/2025</a:t>
             </a:fld>
             <a:endParaRPr lang="en-US"/>
           </a:p>
@@ -899,7 +900,7 @@
           <a:p>
             <a:fld id="{9FA36A30-F966-4EED-972D-FFFF30B06615}" type="datetimeFigureOut">
               <a:rPr lang="en-US" smtClean="0"/>
-              <a:t>4/28/2025</a:t>
+              <a:t>5/5/2025</a:t>
             </a:fld>
             <a:endParaRPr lang="en-US"/>
           </a:p>
@@ -1097,7 +1098,7 @@
           <a:p>
             <a:fld id="{9FA36A30-F966-4EED-972D-FFFF30B06615}" type="datetimeFigureOut">
               <a:rPr lang="en-US" smtClean="0"/>
-              <a:t>4/28/2025</a:t>
+              <a:t>5/5/2025</a:t>
             </a:fld>
             <a:endParaRPr lang="en-US"/>
           </a:p>
@@ -1305,7 +1306,7 @@
           <a:p>
             <a:fld id="{9FA36A30-F966-4EED-972D-FFFF30B06615}" type="datetimeFigureOut">
               <a:rPr lang="en-US" smtClean="0"/>
-              <a:t>4/28/2025</a:t>
+              <a:t>5/5/2025</a:t>
             </a:fld>
             <a:endParaRPr lang="en-US"/>
           </a:p>
@@ -1503,7 +1504,7 @@
           <a:p>
             <a:fld id="{9FA36A30-F966-4EED-972D-FFFF30B06615}" type="datetimeFigureOut">
               <a:rPr lang="en-US" smtClean="0"/>
-              <a:t>4/28/2025</a:t>
+              <a:t>5/5/2025</a:t>
             </a:fld>
             <a:endParaRPr lang="en-US"/>
           </a:p>
@@ -1778,7 +1779,7 @@
           <a:p>
             <a:fld id="{9FA36A30-F966-4EED-972D-FFFF30B06615}" type="datetimeFigureOut">
               <a:rPr lang="en-US" smtClean="0"/>
-              <a:t>4/28/2025</a:t>
+              <a:t>5/5/2025</a:t>
             </a:fld>
             <a:endParaRPr lang="en-US"/>
           </a:p>
@@ -2043,7 +2044,7 @@
           <a:p>
             <a:fld id="{9FA36A30-F966-4EED-972D-FFFF30B06615}" type="datetimeFigureOut">
               <a:rPr lang="en-US" smtClean="0"/>
-              <a:t>4/28/2025</a:t>
+              <a:t>5/5/2025</a:t>
             </a:fld>
             <a:endParaRPr lang="en-US"/>
           </a:p>
@@ -2455,7 +2456,7 @@
           <a:p>
             <a:fld id="{9FA36A30-F966-4EED-972D-FFFF30B06615}" type="datetimeFigureOut">
               <a:rPr lang="en-US" smtClean="0"/>
-              <a:t>4/28/2025</a:t>
+              <a:t>5/5/2025</a:t>
             </a:fld>
             <a:endParaRPr lang="en-US"/>
           </a:p>
@@ -2596,7 +2597,7 @@
           <a:p>
             <a:fld id="{9FA36A30-F966-4EED-972D-FFFF30B06615}" type="datetimeFigureOut">
               <a:rPr lang="en-US" smtClean="0"/>
-              <a:t>4/28/2025</a:t>
+              <a:t>5/5/2025</a:t>
             </a:fld>
             <a:endParaRPr lang="en-US"/>
           </a:p>
@@ -2709,7 +2710,7 @@
           <a:p>
             <a:fld id="{9FA36A30-F966-4EED-972D-FFFF30B06615}" type="datetimeFigureOut">
               <a:rPr lang="en-US" smtClean="0"/>
-              <a:t>4/28/2025</a:t>
+              <a:t>5/5/2025</a:t>
             </a:fld>
             <a:endParaRPr lang="en-US"/>
           </a:p>
@@ -3020,7 +3021,7 @@
           <a:p>
             <a:fld id="{9FA36A30-F966-4EED-972D-FFFF30B06615}" type="datetimeFigureOut">
               <a:rPr lang="en-US" smtClean="0"/>
-              <a:t>4/28/2025</a:t>
+              <a:t>5/5/2025</a:t>
             </a:fld>
             <a:endParaRPr lang="en-US"/>
           </a:p>
@@ -3308,7 +3309,7 @@
           <a:p>
             <a:fld id="{9FA36A30-F966-4EED-972D-FFFF30B06615}" type="datetimeFigureOut">
               <a:rPr lang="en-US" smtClean="0"/>
-              <a:t>4/28/2025</a:t>
+              <a:t>5/5/2025</a:t>
             </a:fld>
             <a:endParaRPr lang="en-US"/>
           </a:p>
@@ -3549,7 +3550,7 @@
           <a:p>
             <a:fld id="{9FA36A30-F966-4EED-972D-FFFF30B06615}" type="datetimeFigureOut">
               <a:rPr lang="en-US" smtClean="0"/>
-              <a:t>4/28/2025</a:t>
+              <a:t>5/5/2025</a:t>
             </a:fld>
             <a:endParaRPr lang="en-US"/>
           </a:p>
@@ -4784,6 +4785,36 @@
       </p:pic>
       <p:pic>
         <p:nvPicPr>
+          <p:cNvPr id="24" name="Picture 23">
+            <a:extLst>
+              <a:ext uri="{FF2B5EF4-FFF2-40B4-BE49-F238E27FC236}">
+                <a16:creationId xmlns:a16="http://schemas.microsoft.com/office/drawing/2014/main" id="{621A2E50-46B4-D273-7CB1-9BD20C799FC2}"/>
+              </a:ext>
+            </a:extLst>
+          </p:cNvPr>
+          <p:cNvPicPr>
+            <a:picLocks noChangeAspect="1"/>
+          </p:cNvPicPr>
+          <p:nvPr/>
+        </p:nvPicPr>
+        <p:blipFill>
+          <a:blip r:embed="rId5"/>
+          <a:stretch>
+            <a:fillRect/>
+          </a:stretch>
+        </p:blipFill>
+        <p:spPr>
+          <a:xfrm>
+            <a:off x="5599780" y="3616624"/>
+            <a:ext cx="6592220" cy="3086531"/>
+          </a:xfrm>
+          <a:prstGeom prst="rect">
+            <a:avLst/>
+          </a:prstGeom>
+        </p:spPr>
+      </p:pic>
+      <p:pic>
+        <p:nvPicPr>
           <p:cNvPr id="18" name="Picture 17">
             <a:extLst>
               <a:ext uri="{FF2B5EF4-FFF2-40B4-BE49-F238E27FC236}">
@@ -4797,44 +4828,14 @@
           <p:nvPr/>
         </p:nvPicPr>
         <p:blipFill rotWithShape="1">
-          <a:blip r:embed="rId5"/>
+          <a:blip r:embed="rId6"/>
           <a:srcRect l="-2860" r="-1062"/>
           <a:stretch/>
         </p:blipFill>
         <p:spPr>
           <a:xfrm>
-            <a:off x="6552169" y="339305"/>
-            <a:ext cx="4380931" cy="2497573"/>
-          </a:xfrm>
-          <a:prstGeom prst="rect">
-            <a:avLst/>
-          </a:prstGeom>
-        </p:spPr>
-      </p:pic>
-      <p:pic>
-        <p:nvPicPr>
-          <p:cNvPr id="24" name="Picture 23">
-            <a:extLst>
-              <a:ext uri="{FF2B5EF4-FFF2-40B4-BE49-F238E27FC236}">
-                <a16:creationId xmlns:a16="http://schemas.microsoft.com/office/drawing/2014/main" id="{621A2E50-46B4-D273-7CB1-9BD20C799FC2}"/>
-              </a:ext>
-            </a:extLst>
-          </p:cNvPr>
-          <p:cNvPicPr>
-            <a:picLocks noChangeAspect="1"/>
-          </p:cNvPicPr>
-          <p:nvPr/>
-        </p:nvPicPr>
-        <p:blipFill>
-          <a:blip r:embed="rId6"/>
-          <a:stretch>
-            <a:fillRect/>
-          </a:stretch>
-        </p:blipFill>
-        <p:spPr>
-          <a:xfrm>
-            <a:off x="5599780" y="3616624"/>
-            <a:ext cx="6592220" cy="3086531"/>
+            <a:off x="6248187" y="600915"/>
+            <a:ext cx="4504476" cy="2568006"/>
           </a:xfrm>
           <a:prstGeom prst="rect">
             <a:avLst/>
@@ -5168,7 +5169,7 @@
         <p:spPr>
           <a:xfrm>
             <a:off x="142386" y="77695"/>
-            <a:ext cx="2417713" cy="523220"/>
+            <a:ext cx="5130059" cy="523220"/>
           </a:xfrm>
           <a:prstGeom prst="rect">
             <a:avLst/>
@@ -5187,7 +5188,7 @@
                   <a:schemeClr val="bg1"/>
                 </a:solidFill>
               </a:rPr>
-              <a:t>Shift Indicators</a:t>
+              <a:t>Shift Indicators: Abundance trend</a:t>
             </a:r>
             <a:r>
               <a:rPr lang="en-US" dirty="0">
@@ -5200,10 +5201,138 @@
           </a:p>
         </p:txBody>
       </p:sp>
+      <p:pic>
+        <p:nvPicPr>
+          <p:cNvPr id="8" name="Picture 7">
+            <a:extLst>
+              <a:ext uri="{FF2B5EF4-FFF2-40B4-BE49-F238E27FC236}">
+                <a16:creationId xmlns:a16="http://schemas.microsoft.com/office/drawing/2014/main" id="{BDD6811E-C6CF-2C45-DC0C-140ABD9DDA1F}"/>
+              </a:ext>
+            </a:extLst>
+          </p:cNvPr>
+          <p:cNvPicPr>
+            <a:picLocks noChangeAspect="1"/>
+          </p:cNvPicPr>
+          <p:nvPr/>
+        </p:nvPicPr>
+        <p:blipFill rotWithShape="1">
+          <a:blip r:embed="rId2"/>
+          <a:srcRect l="5332" r="17160"/>
+          <a:stretch/>
+        </p:blipFill>
+        <p:spPr>
+          <a:xfrm>
+            <a:off x="3934057" y="1406732"/>
+            <a:ext cx="3817404" cy="5048955"/>
+          </a:xfrm>
+          <a:prstGeom prst="rect">
+            <a:avLst/>
+          </a:prstGeom>
+        </p:spPr>
+      </p:pic>
+      <p:pic>
+        <p:nvPicPr>
+          <p:cNvPr id="10" name="Picture 9">
+            <a:extLst>
+              <a:ext uri="{FF2B5EF4-FFF2-40B4-BE49-F238E27FC236}">
+                <a16:creationId xmlns:a16="http://schemas.microsoft.com/office/drawing/2014/main" id="{D0B3E5D1-986E-9036-A3D4-F38116A87C82}"/>
+              </a:ext>
+            </a:extLst>
+          </p:cNvPr>
+          <p:cNvPicPr>
+            <a:picLocks noChangeAspect="1"/>
+          </p:cNvPicPr>
+          <p:nvPr/>
+        </p:nvPicPr>
+        <p:blipFill rotWithShape="1">
+          <a:blip r:embed="rId3"/>
+          <a:srcRect l="4179"/>
+          <a:stretch/>
+        </p:blipFill>
+        <p:spPr>
+          <a:xfrm>
+            <a:off x="7725728" y="1578206"/>
+            <a:ext cx="4673660" cy="4877481"/>
+          </a:xfrm>
+          <a:prstGeom prst="rect">
+            <a:avLst/>
+          </a:prstGeom>
+        </p:spPr>
+      </p:pic>
+      <p:sp>
+        <p:nvSpPr>
+          <p:cNvPr id="11" name="TextBox 10">
+            <a:extLst>
+              <a:ext uri="{FF2B5EF4-FFF2-40B4-BE49-F238E27FC236}">
+                <a16:creationId xmlns:a16="http://schemas.microsoft.com/office/drawing/2014/main" id="{148EBB5A-B557-E199-11B5-09E97696F012}"/>
+              </a:ext>
+            </a:extLst>
+          </p:cNvPr>
+          <p:cNvSpPr txBox="1"/>
+          <p:nvPr/>
+        </p:nvSpPr>
+        <p:spPr>
+          <a:xfrm>
+            <a:off x="142386" y="810044"/>
+            <a:ext cx="6958508" cy="646331"/>
+          </a:xfrm>
+          <a:prstGeom prst="rect">
+            <a:avLst/>
+          </a:prstGeom>
+          <a:noFill/>
+        </p:spPr>
+        <p:txBody>
+          <a:bodyPr wrap="none" rtlCol="0">
+            <a:spAutoFit/>
+          </a:bodyPr>
+          <a:lstStyle/>
+          <a:p>
+            <a:r>
+              <a:rPr lang="en-US" dirty="0"/>
+              <a:t>Proportional abundance = Total regional estimate/ Total overall estimate</a:t>
+            </a:r>
+          </a:p>
+          <a:p>
+            <a:r>
+              <a:rPr lang="en-US" dirty="0"/>
+              <a:t>Relative density =  Regional density / overall density   </a:t>
+            </a:r>
+          </a:p>
+        </p:txBody>
+      </p:sp>
+      <p:pic>
+        <p:nvPicPr>
+          <p:cNvPr id="13" name="Picture 12">
+            <a:extLst>
+              <a:ext uri="{FF2B5EF4-FFF2-40B4-BE49-F238E27FC236}">
+                <a16:creationId xmlns:a16="http://schemas.microsoft.com/office/drawing/2014/main" id="{1DB4FEC1-CC4F-3B85-E9A2-DDB245CDA5CA}"/>
+              </a:ext>
+            </a:extLst>
+          </p:cNvPr>
+          <p:cNvPicPr>
+            <a:picLocks noChangeAspect="1"/>
+          </p:cNvPicPr>
+          <p:nvPr/>
+        </p:nvPicPr>
+        <p:blipFill rotWithShape="1">
+          <a:blip r:embed="rId4"/>
+          <a:srcRect r="19184"/>
+          <a:stretch/>
+        </p:blipFill>
+        <p:spPr>
+          <a:xfrm>
+            <a:off x="0" y="1434402"/>
+            <a:ext cx="3934057" cy="5401429"/>
+          </a:xfrm>
+          <a:prstGeom prst="rect">
+            <a:avLst/>
+          </a:prstGeom>
+        </p:spPr>
+      </p:pic>
     </p:spTree>
     <p:extLst>
       <p:ext uri="{BB962C8B-B14F-4D97-AF65-F5344CB8AC3E}">
-        <p14:creationId xmlns:p14="http://schemas.microsoft.com/office/powerpoint/2010/main" val="521394037"/>
+        <p14:creationId xmlns:p14="http://schemas.microsoft.com/office/powerpoint/2010/main" val="234981021"/>
       </p:ext>
     </p:extLst>
   </p:cSld>
@@ -5232,6 +5361,141 @@
       </p:grpSpPr>
       <p:sp>
         <p:nvSpPr>
+          <p:cNvPr id="2" name="Rectangle 1">
+            <a:extLst>
+              <a:ext uri="{FF2B5EF4-FFF2-40B4-BE49-F238E27FC236}">
+                <a16:creationId xmlns:a16="http://schemas.microsoft.com/office/drawing/2014/main" id="{21ED251C-5D62-A859-EFF2-83DA2F9FC9A4}"/>
+              </a:ext>
+            </a:extLst>
+          </p:cNvPr>
+          <p:cNvSpPr/>
+          <p:nvPr/>
+        </p:nvSpPr>
+        <p:spPr>
+          <a:xfrm>
+            <a:off x="0" y="0"/>
+            <a:ext cx="12192000" cy="698500"/>
+          </a:xfrm>
+          <a:prstGeom prst="rect">
+            <a:avLst/>
+          </a:prstGeom>
+          <a:solidFill>
+            <a:schemeClr val="accent6">
+              <a:lumMod val="75000"/>
+            </a:schemeClr>
+          </a:solidFill>
+          <a:ln>
+            <a:solidFill>
+              <a:schemeClr val="accent6">
+                <a:lumMod val="75000"/>
+              </a:schemeClr>
+            </a:solidFill>
+          </a:ln>
+        </p:spPr>
+        <p:style>
+          <a:lnRef idx="2">
+            <a:schemeClr val="accent1">
+              <a:shade val="15000"/>
+            </a:schemeClr>
+          </a:lnRef>
+          <a:fillRef idx="1">
+            <a:schemeClr val="accent1"/>
+          </a:fillRef>
+          <a:effectRef idx="0">
+            <a:schemeClr val="accent1"/>
+          </a:effectRef>
+          <a:fontRef idx="minor">
+            <a:schemeClr val="lt1"/>
+          </a:fontRef>
+        </p:style>
+        <p:txBody>
+          <a:bodyPr rtlCol="0" anchor="ctr"/>
+          <a:lstStyle/>
+          <a:p>
+            <a:pPr algn="ctr"/>
+            <a:endParaRPr lang="en-US"/>
+          </a:p>
+        </p:txBody>
+      </p:sp>
+      <p:sp>
+        <p:nvSpPr>
+          <p:cNvPr id="4" name="TextBox 3">
+            <a:extLst>
+              <a:ext uri="{FF2B5EF4-FFF2-40B4-BE49-F238E27FC236}">
+                <a16:creationId xmlns:a16="http://schemas.microsoft.com/office/drawing/2014/main" id="{DFAD6360-D2B0-BEFE-3C5A-DD8561EA3752}"/>
+              </a:ext>
+            </a:extLst>
+          </p:cNvPr>
+          <p:cNvSpPr txBox="1"/>
+          <p:nvPr/>
+        </p:nvSpPr>
+        <p:spPr>
+          <a:xfrm>
+            <a:off x="142386" y="77695"/>
+            <a:ext cx="2417713" cy="523220"/>
+          </a:xfrm>
+          <a:prstGeom prst="rect">
+            <a:avLst/>
+          </a:prstGeom>
+          <a:noFill/>
+        </p:spPr>
+        <p:txBody>
+          <a:bodyPr wrap="none" rtlCol="0">
+            <a:spAutoFit/>
+          </a:bodyPr>
+          <a:lstStyle/>
+          <a:p>
+            <a:r>
+              <a:rPr lang="en-US" sz="2800" dirty="0">
+                <a:solidFill>
+                  <a:schemeClr val="bg1"/>
+                </a:solidFill>
+              </a:rPr>
+              <a:t>Shift Indicators</a:t>
+            </a:r>
+            <a:r>
+              <a:rPr lang="en-US" dirty="0">
+                <a:solidFill>
+                  <a:schemeClr val="bg1"/>
+                </a:solidFill>
+              </a:rPr>
+              <a:t> </a:t>
+            </a:r>
+          </a:p>
+        </p:txBody>
+      </p:sp>
+    </p:spTree>
+    <p:extLst>
+      <p:ext uri="{BB962C8B-B14F-4D97-AF65-F5344CB8AC3E}">
+        <p14:creationId xmlns:p14="http://schemas.microsoft.com/office/powerpoint/2010/main" val="521394037"/>
+      </p:ext>
+    </p:extLst>
+  </p:cSld>
+  <p:clrMapOvr>
+    <a:masterClrMapping/>
+  </p:clrMapOvr>
+</p:sld>
+</file>
+
+<file path=ppt/slides/slide14.xml><?xml version="1.0" encoding="utf-8"?>
+<p:sld xmlns:a="http://schemas.openxmlformats.org/drawingml/2006/main" xmlns:r="http://schemas.openxmlformats.org/officeDocument/2006/relationships" xmlns:p="http://schemas.openxmlformats.org/presentationml/2006/main">
+  <p:cSld>
+    <p:spTree>
+      <p:nvGrpSpPr>
+        <p:cNvPr id="1" name=""/>
+        <p:cNvGrpSpPr/>
+        <p:nvPr/>
+      </p:nvGrpSpPr>
+      <p:grpSpPr>
+        <a:xfrm>
+          <a:off x="0" y="0"/>
+          <a:ext cx="0" cy="0"/>
+          <a:chOff x="0" y="0"/>
+          <a:chExt cx="0" cy="0"/>
+        </a:xfrm>
+      </p:grpSpPr>
+      <p:sp>
+        <p:nvSpPr>
           <p:cNvPr id="3" name="Rectangle 2">
             <a:extLst>
               <a:ext uri="{FF2B5EF4-FFF2-40B4-BE49-F238E27FC236}">
@@ -5454,7 +5718,7 @@
         <p:spPr>
           <a:xfrm>
             <a:off x="163388" y="990600"/>
-            <a:ext cx="6097631" cy="923330"/>
+            <a:ext cx="11163741" cy="2108269"/>
           </a:xfrm>
           <a:prstGeom prst="rect">
             <a:avLst/>
@@ -5462,21 +5726,21 @@
           <a:noFill/>
         </p:spPr>
         <p:txBody>
-          <a:bodyPr wrap="none" rtlCol="0">
+          <a:bodyPr wrap="square" rtlCol="0">
             <a:spAutoFit/>
           </a:bodyPr>
           <a:lstStyle/>
           <a:p>
             <a:r>
-              <a:rPr lang="en-US" dirty="0">
+              <a:rPr lang="en-US" sz="1200" dirty="0">
                 <a:hlinkClick r:id="rId2"/>
               </a:rPr>
               <a:t>https://link.springer.com/article/10.1007/s41060-024-00517-w</a:t>
             </a:r>
-            <a:endParaRPr lang="en-US" dirty="0"/>
-          </a:p>
-          <a:p>
-            <a:endParaRPr lang="en-US" dirty="0"/>
+            <a:endParaRPr lang="en-US" sz="1200" dirty="0"/>
+          </a:p>
+          <a:p>
+            <a:endParaRPr lang="en-US" sz="1200" dirty="0"/>
           </a:p>
           <a:p>
             <a:pPr marL="285750" indent="-285750">
@@ -5484,9 +5748,152 @@
               <a:buChar char="•"/>
             </a:pPr>
             <a:r>
-              <a:rPr lang="en-US" dirty="0"/>
+              <a:rPr lang="en-US" sz="1200" dirty="0"/>
               <a:t>We need a conceptual presentation with not real data </a:t>
             </a:r>
+          </a:p>
+          <a:p>
+            <a:pPr marL="285750" indent="-285750">
+              <a:buFont typeface="Arial" panose="020B0604020202020204" pitchFamily="34" charset="0"/>
+              <a:buChar char="•"/>
+            </a:pPr>
+            <a:r>
+              <a:rPr lang="en-US" sz="1200" dirty="0"/>
+              <a:t>Edits to Paper: </a:t>
+            </a:r>
+          </a:p>
+          <a:p>
+            <a:pPr marL="742950" lvl="1" indent="-285750">
+              <a:buFont typeface="Arial" panose="020B0604020202020204" pitchFamily="34" charset="0"/>
+              <a:buChar char="•"/>
+            </a:pPr>
+            <a:r>
+              <a:rPr lang="en-US" sz="1200" dirty="0"/>
+              <a:t>Data: BNAM temperature data</a:t>
+            </a:r>
+          </a:p>
+          <a:p>
+            <a:pPr marL="742950" lvl="1" indent="-285750">
+              <a:buFont typeface="Arial" panose="020B0604020202020204" pitchFamily="34" charset="0"/>
+              <a:buChar char="•"/>
+            </a:pPr>
+            <a:r>
+              <a:rPr lang="en-US" sz="1200" dirty="0"/>
+              <a:t>Want to get temperature signal included (plot/text/ refs).. Significance of bottom temperature </a:t>
+            </a:r>
+          </a:p>
+          <a:p>
+            <a:pPr marL="742950" lvl="1" indent="-285750">
+              <a:buFont typeface="Arial" panose="020B0604020202020204" pitchFamily="34" charset="0"/>
+              <a:buChar char="•"/>
+            </a:pPr>
+            <a:r>
+              <a:rPr lang="en-US" sz="1200" dirty="0"/>
+              <a:t>See supplements and list of figs</a:t>
+            </a:r>
+          </a:p>
+          <a:p>
+            <a:pPr marL="742950" lvl="1" indent="-285750">
+              <a:buFont typeface="Arial" panose="020B0604020202020204" pitchFamily="34" charset="0"/>
+              <a:buChar char="•"/>
+            </a:pPr>
+            <a:r>
+              <a:rPr lang="en-US" sz="1050" b="0" i="0" u="none" strike="noStrike" dirty="0">
+                <a:solidFill>
+                  <a:srgbClr val="000000"/>
+                </a:solidFill>
+                <a:effectLst/>
+                <a:latin typeface="Arial" panose="020B0604020202020204" pitchFamily="34" charset="0"/>
+              </a:rPr>
+              <a:t>Up to this point, similar work on </a:t>
+            </a:r>
+            <a:r>
+              <a:rPr lang="en-US" sz="1050" b="0" i="0" u="none" strike="noStrike" dirty="0" err="1">
+                <a:solidFill>
+                  <a:srgbClr val="000000"/>
+                </a:solidFill>
+                <a:effectLst/>
+                <a:latin typeface="Arial" panose="020B0604020202020204" pitchFamily="34" charset="0"/>
+              </a:rPr>
+              <a:t>th</a:t>
+            </a:r>
+            <a:r>
+              <a:rPr lang="en-US" sz="1050" b="0" i="0" u="none" strike="noStrike" dirty="0">
+                <a:solidFill>
+                  <a:srgbClr val="000000"/>
+                </a:solidFill>
+                <a:effectLst/>
+                <a:latin typeface="Arial" panose="020B0604020202020204" pitchFamily="34" charset="0"/>
+              </a:rPr>
+              <a:t> pacific coast sees </a:t>
+            </a:r>
+            <a:r>
+              <a:rPr lang="en-US" sz="1050" b="0" i="0" u="none" strike="noStrike" dirty="0" err="1">
+                <a:solidFill>
+                  <a:srgbClr val="000000"/>
+                </a:solidFill>
+                <a:effectLst/>
+                <a:latin typeface="Arial" panose="020B0604020202020204" pitchFamily="34" charset="0"/>
+              </a:rPr>
+              <a:t>deepinging</a:t>
+            </a:r>
+            <a:r>
+              <a:rPr lang="en-US" sz="1050" b="0" i="0" u="none" strike="noStrike" dirty="0">
+                <a:solidFill>
+                  <a:srgbClr val="000000"/>
+                </a:solidFill>
+                <a:effectLst/>
+                <a:latin typeface="Arial" panose="020B0604020202020204" pitchFamily="34" charset="0"/>
+              </a:rPr>
+              <a:t>, but not really an impact on borders (</a:t>
+            </a:r>
+            <a:r>
+              <a:rPr lang="en-US" sz="1050" b="0" i="0" u="none" strike="noStrike" dirty="0" err="1">
+                <a:solidFill>
+                  <a:srgbClr val="000000"/>
+                </a:solidFill>
+                <a:effectLst/>
+                <a:latin typeface="Arial" panose="020B0604020202020204" pitchFamily="34" charset="0"/>
+              </a:rPr>
+              <a:t>sdmTMB</a:t>
+            </a:r>
+            <a:r>
+              <a:rPr lang="en-US" sz="1050" b="0" i="0" u="none" strike="noStrike" dirty="0">
+                <a:solidFill>
+                  <a:srgbClr val="000000"/>
+                </a:solidFill>
+                <a:effectLst/>
+                <a:latin typeface="Arial" panose="020B0604020202020204" pitchFamily="34" charset="0"/>
+              </a:rPr>
+              <a:t>)</a:t>
+            </a:r>
+          </a:p>
+          <a:p>
+            <a:pPr marL="742950" lvl="1" indent="-285750">
+              <a:buFont typeface="Arial" panose="020B0604020202020204" pitchFamily="34" charset="0"/>
+              <a:buChar char="•"/>
+            </a:pPr>
+            <a:r>
+              <a:rPr lang="en-US" sz="1050" dirty="0"/>
+              <a:t>Discussion: next steps and policy </a:t>
+            </a:r>
+            <a:endParaRPr lang="en-US" sz="1050" b="0" i="0" u="none" strike="noStrike" dirty="0">
+              <a:solidFill>
+                <a:srgbClr val="000000"/>
+              </a:solidFill>
+              <a:effectLst/>
+              <a:latin typeface="Arial" panose="020B0604020202020204" pitchFamily="34" charset="0"/>
+            </a:endParaRPr>
+          </a:p>
+          <a:p>
+            <a:pPr marL="742950" lvl="1" indent="-285750">
+              <a:buFont typeface="Arial" panose="020B0604020202020204" pitchFamily="34" charset="0"/>
+              <a:buChar char="•"/>
+            </a:pPr>
+            <a:endParaRPr lang="en-US" sz="800" dirty="0"/>
+          </a:p>
+          <a:p>
+            <a:endParaRPr lang="en-US" dirty="0"/>
           </a:p>
         </p:txBody>
       </p:sp>
@@ -5503,7 +5910,7 @@
 </p:sld>
 </file>
 
-<file path=ppt/slides/slide14.xml><?xml version="1.0" encoding="utf-8"?>
+<file path=ppt/slides/slide15.xml><?xml version="1.0" encoding="utf-8"?>
 <p:sld xmlns:a="http://schemas.openxmlformats.org/drawingml/2006/main" xmlns:r="http://schemas.openxmlformats.org/officeDocument/2006/relationships" xmlns:p="http://schemas.openxmlformats.org/presentationml/2006/main">
   <p:cSld>
     <p:spTree>
@@ -9108,6 +9515,66 @@
           <a:xfrm>
             <a:off x="0" y="837838"/>
             <a:ext cx="6106377" cy="2591162"/>
+          </a:xfrm>
+          <a:prstGeom prst="rect">
+            <a:avLst/>
+          </a:prstGeom>
+        </p:spPr>
+      </p:pic>
+      <p:pic>
+        <p:nvPicPr>
+          <p:cNvPr id="8" name="Picture 7">
+            <a:extLst>
+              <a:ext uri="{FF2B5EF4-FFF2-40B4-BE49-F238E27FC236}">
+                <a16:creationId xmlns:a16="http://schemas.microsoft.com/office/drawing/2014/main" id="{33E8F429-4122-C897-75C4-BDF127D8750C}"/>
+              </a:ext>
+            </a:extLst>
+          </p:cNvPr>
+          <p:cNvPicPr>
+            <a:picLocks noChangeAspect="1"/>
+          </p:cNvPicPr>
+          <p:nvPr/>
+        </p:nvPicPr>
+        <p:blipFill>
+          <a:blip r:embed="rId3"/>
+          <a:stretch>
+            <a:fillRect/>
+          </a:stretch>
+        </p:blipFill>
+        <p:spPr>
+          <a:xfrm>
+            <a:off x="414394" y="3568338"/>
+            <a:ext cx="5277587" cy="2600688"/>
+          </a:xfrm>
+          <a:prstGeom prst="rect">
+            <a:avLst/>
+          </a:prstGeom>
+        </p:spPr>
+      </p:pic>
+      <p:pic>
+        <p:nvPicPr>
+          <p:cNvPr id="13" name="Picture 12">
+            <a:extLst>
+              <a:ext uri="{FF2B5EF4-FFF2-40B4-BE49-F238E27FC236}">
+                <a16:creationId xmlns:a16="http://schemas.microsoft.com/office/drawing/2014/main" id="{50DB8583-ADF3-9F59-F309-5F80FD0D63D9}"/>
+              </a:ext>
+            </a:extLst>
+          </p:cNvPr>
+          <p:cNvPicPr>
+            <a:picLocks noChangeAspect="1"/>
+          </p:cNvPicPr>
+          <p:nvPr/>
+        </p:nvPicPr>
+        <p:blipFill>
+          <a:blip r:embed="rId4"/>
+          <a:stretch>
+            <a:fillRect/>
+          </a:stretch>
+        </p:blipFill>
+        <p:spPr>
+          <a:xfrm>
+            <a:off x="6106377" y="3737113"/>
+            <a:ext cx="5820587" cy="2800741"/>
           </a:xfrm>
           <a:prstGeom prst="rect">
             <a:avLst/>
